--- a/Projeto assistente virtual – ATHENA.pptx
+++ b/Projeto assistente virtual – ATHENA.pptx
@@ -5,16 +5,17 @@
     <p:sldMasterId id="2147483648" r:id="rId1"/>
   </p:sldMasterIdLst>
   <p:sldIdLst>
-    <p:sldId id="256" r:id="rId2"/>
-    <p:sldId id="257" r:id="rId3"/>
-    <p:sldId id="258" r:id="rId4"/>
-    <p:sldId id="259" r:id="rId5"/>
-    <p:sldId id="260" r:id="rId6"/>
-    <p:sldId id="261" r:id="rId7"/>
-    <p:sldId id="262" r:id="rId8"/>
-    <p:sldId id="263" r:id="rId9"/>
-    <p:sldId id="264" r:id="rId10"/>
-    <p:sldId id="265" r:id="rId11"/>
+    <p:sldId id="266" r:id="rId2"/>
+    <p:sldId id="256" r:id="rId3"/>
+    <p:sldId id="257" r:id="rId4"/>
+    <p:sldId id="258" r:id="rId5"/>
+    <p:sldId id="259" r:id="rId6"/>
+    <p:sldId id="260" r:id="rId7"/>
+    <p:sldId id="261" r:id="rId8"/>
+    <p:sldId id="262" r:id="rId9"/>
+    <p:sldId id="263" r:id="rId10"/>
+    <p:sldId id="264" r:id="rId11"/>
+    <p:sldId id="265" r:id="rId12"/>
   </p:sldIdLst>
   <p:sldSz cx="12192000" cy="6858000"/>
   <p:notesSz cx="6858000" cy="9144000"/>
@@ -113,6 +114,11 @@
       </a:defRPr>
     </a:lvl9pPr>
   </p:defaultTextStyle>
+  <p:extLst>
+    <p:ext uri="{EFAFB233-063F-42B5-8137-9DF3F51BA10A}">
+      <p15:sldGuideLst xmlns:p15="http://schemas.microsoft.com/office/powerpoint/2012/main"/>
+    </p:ext>
+  </p:extLst>
 </p:presentation>
 </file>
 
@@ -5934,99 +5940,155 @@
             <a:spLocks noGrp="1"/>
           </p:cNvSpPr>
           <p:nvPr>
-            <p:ph type="ctrTitle"/>
-          </p:nvPr>
-        </p:nvSpPr>
-        <p:spPr>
-          <a:xfrm>
-            <a:off x="2368732" y="1863635"/>
-            <a:ext cx="7716384" cy="1764215"/>
-          </a:xfrm>
-        </p:spPr>
+            <p:ph type="title"/>
+          </p:nvPr>
+        </p:nvSpPr>
+        <p:spPr/>
         <p:txBody>
           <a:bodyPr/>
           <a:lstStyle/>
           <a:p>
-            <a:pPr algn="r"/>
+            <a:pPr algn="ctr"/>
+            <a:r>
+              <a:rPr lang="pt-BR" sz="6000" dirty="0">
+                <a:latin typeface="Qualy" panose="02000800000000000000" pitchFamily="2" charset="0"/>
+              </a:rPr>
+              <a:t>ROCKET</a:t>
+            </a:r>
+            <a:r>
+              <a:rPr lang="pt-BR" dirty="0" smtClean="0"/>
+              <a:t> </a:t>
+            </a:r>
             <a:r>
               <a:rPr lang="pt-BR" sz="6000" dirty="0" smtClean="0">
                 <a:latin typeface="Qualy" panose="02000800000000000000" pitchFamily="2" charset="0"/>
               </a:rPr>
-              <a:t>Projeto assistente virtual – ATHENA</a:t>
-            </a:r>
-            <a:r>
-              <a:rPr lang="pt-BR" sz="2800" dirty="0" smtClean="0"/>
-              <a:t> </a:t>
-            </a:r>
-            <a:endParaRPr lang="pt-BR" sz="6000" dirty="0"/>
-          </a:p>
-        </p:txBody>
-      </p:sp>
-      <p:sp>
-        <p:nvSpPr>
-          <p:cNvPr id="3" name="Subtítulo 2"/>
-          <p:cNvSpPr>
-            <a:spLocks noGrp="1"/>
-          </p:cNvSpPr>
-          <p:nvPr>
-            <p:ph type="subTitle" idx="1"/>
-          </p:nvPr>
-        </p:nvSpPr>
-        <p:spPr>
-          <a:xfrm>
-            <a:off x="1233333" y="5334728"/>
-            <a:ext cx="8711856" cy="861420"/>
-          </a:xfrm>
-        </p:spPr>
-        <p:txBody>
-          <a:bodyPr>
-            <a:noAutofit/>
-          </a:bodyPr>
-          <a:lstStyle/>
-          <a:p>
-            <a:r>
-              <a:rPr lang="pt-BR" sz="1800" b="1" dirty="0" smtClean="0">
-                <a:solidFill>
-                  <a:schemeClr val="tx1"/>
-                </a:solidFill>
-              </a:rPr>
-              <a:t>Dijair roberto de </a:t>
-            </a:r>
-            <a:r>
-              <a:rPr lang="pt-BR" sz="1800" b="1" dirty="0">
-                <a:solidFill>
-                  <a:schemeClr val="tx1"/>
-                </a:solidFill>
-              </a:rPr>
-              <a:t>Camargo Junior – RA. 920103445</a:t>
-            </a:r>
-            <a:endParaRPr lang="pt-BR" sz="1800" b="1" dirty="0" smtClean="0">
-              <a:solidFill>
-                <a:schemeClr val="tx1"/>
-              </a:solidFill>
+              <a:t>SYSTEM</a:t>
+            </a:r>
+            <a:endParaRPr lang="pt-BR" sz="6000" dirty="0">
+              <a:latin typeface="Qualy" panose="02000800000000000000" pitchFamily="2" charset="0"/>
             </a:endParaRPr>
           </a:p>
-          <a:p>
-            <a:r>
-              <a:rPr lang="pt-BR" sz="1800" b="1" dirty="0" smtClean="0">
-                <a:solidFill>
-                  <a:schemeClr val="tx1"/>
-                </a:solidFill>
-              </a:rPr>
-              <a:t>Prof.ª Liliane Souza					Curso: Sistema de informação</a:t>
-            </a:r>
-            <a:endParaRPr lang="pt-BR" sz="1800" b="1" dirty="0">
-              <a:solidFill>
-                <a:schemeClr val="tx1"/>
-              </a:solidFill>
-            </a:endParaRPr>
-          </a:p>
-        </p:txBody>
-      </p:sp>
+        </p:txBody>
+      </p:sp>
+      <p:sp>
+        <p:nvSpPr>
+          <p:cNvPr id="3" name="Espaço Reservado para Conteúdo 2"/>
+          <p:cNvSpPr>
+            <a:spLocks noGrp="1"/>
+          </p:cNvSpPr>
+          <p:nvPr>
+            <p:ph idx="1"/>
+          </p:nvPr>
+        </p:nvSpPr>
+        <p:spPr/>
+        <p:txBody>
+          <a:bodyPr/>
+          <a:lstStyle/>
+          <a:p>
+            <a:pPr algn="ctr"/>
+            <a:r>
+              <a:rPr lang="pt-BR" dirty="0" smtClean="0"/>
+              <a:t>Nossa empresa é uma desenvolvedora de software, voltada para assistente virtuais para central de atendimento, empresa recente no mercado com apenas 2 anos que estamos funcionando, onde nosso principais cliente atendidos é:</a:t>
+            </a:r>
+            <a:endParaRPr lang="pt-BR" dirty="0"/>
+          </a:p>
+        </p:txBody>
+      </p:sp>
+      <p:pic>
+        <p:nvPicPr>
+          <p:cNvPr id="4" name="Imagem 3"/>
+          <p:cNvPicPr>
+            <a:picLocks noChangeAspect="1"/>
+          </p:cNvPicPr>
+          <p:nvPr/>
+        </p:nvPicPr>
+        <p:blipFill>
+          <a:blip r:embed="rId2">
+            <a:extLst>
+              <a:ext uri="{28A0092B-C50C-407E-A947-70E740481C1C}">
+                <a14:useLocalDpi xmlns:a14="http://schemas.microsoft.com/office/drawing/2010/main" val="0"/>
+              </a:ext>
+            </a:extLst>
+          </a:blip>
+          <a:stretch>
+            <a:fillRect/>
+          </a:stretch>
+        </p:blipFill>
+        <p:spPr>
+          <a:xfrm>
+            <a:off x="1577600" y="3912806"/>
+            <a:ext cx="2619375" cy="1743075"/>
+          </a:xfrm>
+          <a:prstGeom prst="rect">
+            <a:avLst/>
+          </a:prstGeom>
+        </p:spPr>
+      </p:pic>
+      <p:pic>
+        <p:nvPicPr>
+          <p:cNvPr id="5" name="Imagem 4"/>
+          <p:cNvPicPr>
+            <a:picLocks noChangeAspect="1"/>
+          </p:cNvPicPr>
+          <p:nvPr/>
+        </p:nvPicPr>
+        <p:blipFill>
+          <a:blip r:embed="rId3">
+            <a:extLst>
+              <a:ext uri="{28A0092B-C50C-407E-A947-70E740481C1C}">
+                <a14:useLocalDpi xmlns:a14="http://schemas.microsoft.com/office/drawing/2010/main" val="0"/>
+              </a:ext>
+            </a:extLst>
+          </a:blip>
+          <a:stretch>
+            <a:fillRect/>
+          </a:stretch>
+        </p:blipFill>
+        <p:spPr>
+          <a:xfrm>
+            <a:off x="5020397" y="3646107"/>
+            <a:ext cx="2009775" cy="2276475"/>
+          </a:xfrm>
+          <a:prstGeom prst="rect">
+            <a:avLst/>
+          </a:prstGeom>
+        </p:spPr>
+      </p:pic>
+      <p:pic>
+        <p:nvPicPr>
+          <p:cNvPr id="6" name="Imagem 5"/>
+          <p:cNvPicPr>
+            <a:picLocks noChangeAspect="1"/>
+          </p:cNvPicPr>
+          <p:nvPr/>
+        </p:nvPicPr>
+        <p:blipFill>
+          <a:blip r:embed="rId4">
+            <a:extLst>
+              <a:ext uri="{28A0092B-C50C-407E-A947-70E740481C1C}">
+                <a14:useLocalDpi xmlns:a14="http://schemas.microsoft.com/office/drawing/2010/main" val="0"/>
+              </a:ext>
+            </a:extLst>
+          </a:blip>
+          <a:stretch>
+            <a:fillRect/>
+          </a:stretch>
+        </p:blipFill>
+        <p:spPr>
+          <a:xfrm>
+            <a:off x="7774936" y="4212843"/>
+            <a:ext cx="2133600" cy="1143000"/>
+          </a:xfrm>
+          <a:prstGeom prst="rect">
+            <a:avLst/>
+          </a:prstGeom>
+        </p:spPr>
+      </p:pic>
     </p:spTree>
     <p:extLst>
       <p:ext uri="{BB962C8B-B14F-4D97-AF65-F5344CB8AC3E}">
-        <p14:creationId xmlns:p14="http://schemas.microsoft.com/office/powerpoint/2010/main" val="1129590168"/>
+        <p14:creationId xmlns:p14="http://schemas.microsoft.com/office/powerpoint/2010/main" val="3758454382"/>
       </p:ext>
     </p:extLst>
   </p:cSld>
@@ -6034,11 +6096,15 @@
     <a:masterClrMapping/>
   </p:clrMapOvr>
   <mc:AlternateContent xmlns:mc="http://schemas.openxmlformats.org/markup-compatibility/2006">
-    <mc:Choice xmlns:p14="http://schemas.microsoft.com/office/powerpoint/2010/main" Requires="p14">
-      <p:transition p14:dur="0"/>
+    <mc:Choice xmlns:p15="http://schemas.microsoft.com/office/powerpoint/2012/main" Requires="p15">
+      <p:transition xmlns:p14="http://schemas.microsoft.com/office/powerpoint/2010/main" spd="slow" p14:dur="6000">
+        <p15:prstTrans prst="curtains"/>
+      </p:transition>
     </mc:Choice>
     <mc:Fallback>
-      <p:transition/>
+      <p:transition spd="slow">
+        <p:fade/>
+      </p:transition>
     </mc:Fallback>
   </mc:AlternateContent>
   <p:timing>
@@ -6052,6 +6118,104 @@
 </file>
 
 <file path=ppt/slides/slide10.xml><?xml version="1.0" encoding="utf-8"?>
+<p:sld xmlns:a="http://schemas.openxmlformats.org/drawingml/2006/main" xmlns:r="http://schemas.openxmlformats.org/officeDocument/2006/relationships" xmlns:p="http://schemas.openxmlformats.org/presentationml/2006/main">
+  <p:cSld>
+    <p:spTree>
+      <p:nvGrpSpPr>
+        <p:cNvPr id="1" name=""/>
+        <p:cNvGrpSpPr/>
+        <p:nvPr/>
+      </p:nvGrpSpPr>
+      <p:grpSpPr>
+        <a:xfrm>
+          <a:off x="0" y="0"/>
+          <a:ext cx="0" cy="0"/>
+          <a:chOff x="0" y="0"/>
+          <a:chExt cx="0" cy="0"/>
+        </a:xfrm>
+      </p:grpSpPr>
+      <p:sp>
+        <p:nvSpPr>
+          <p:cNvPr id="2" name="Título 1"/>
+          <p:cNvSpPr>
+            <a:spLocks noGrp="1"/>
+          </p:cNvSpPr>
+          <p:nvPr>
+            <p:ph type="title"/>
+          </p:nvPr>
+        </p:nvSpPr>
+        <p:spPr>
+          <a:xfrm>
+            <a:off x="855117" y="862020"/>
+            <a:ext cx="9404723" cy="783899"/>
+          </a:xfrm>
+        </p:spPr>
+        <p:txBody>
+          <a:bodyPr/>
+          <a:lstStyle/>
+          <a:p>
+            <a:r>
+              <a:rPr lang="pt-BR" dirty="0" smtClean="0">
+                <a:latin typeface="Qualy" panose="02000800000000000000" pitchFamily="2" charset="0"/>
+              </a:rPr>
+              <a:t>Amostra do código fonte</a:t>
+            </a:r>
+            <a:endParaRPr lang="pt-BR" dirty="0">
+              <a:latin typeface="Qualy" panose="02000800000000000000" pitchFamily="2" charset="0"/>
+            </a:endParaRPr>
+          </a:p>
+        </p:txBody>
+      </p:sp>
+      <p:pic>
+        <p:nvPicPr>
+          <p:cNvPr id="4" name="Espaço Reservado para Conteúdo 3"/>
+          <p:cNvPicPr>
+            <a:picLocks noGrp="1" noChangeAspect="1"/>
+          </p:cNvPicPr>
+          <p:nvPr>
+            <p:ph idx="1"/>
+          </p:nvPr>
+        </p:nvPicPr>
+        <p:blipFill>
+          <a:blip r:embed="rId2"/>
+          <a:stretch>
+            <a:fillRect/>
+          </a:stretch>
+        </p:blipFill>
+        <p:spPr>
+          <a:xfrm>
+            <a:off x="4215139" y="1922009"/>
+            <a:ext cx="5005144" cy="4195762"/>
+          </a:xfrm>
+          <a:prstGeom prst="rect">
+            <a:avLst/>
+          </a:prstGeom>
+        </p:spPr>
+      </p:pic>
+    </p:spTree>
+    <p:extLst>
+      <p:ext uri="{BB962C8B-B14F-4D97-AF65-F5344CB8AC3E}">
+        <p14:creationId xmlns:p14="http://schemas.microsoft.com/office/powerpoint/2010/main" val="1550523541"/>
+      </p:ext>
+    </p:extLst>
+  </p:cSld>
+  <p:clrMapOvr>
+    <a:masterClrMapping/>
+  </p:clrMapOvr>
+  <p:transition spd="slow">
+    <p:cover/>
+  </p:transition>
+  <p:timing>
+    <p:tnLst>
+      <p:par>
+        <p:cTn id="1" dur="indefinite" restart="never" nodeType="tmRoot"/>
+      </p:par>
+    </p:tnLst>
+  </p:timing>
+</p:sld>
+</file>
+
+<file path=ppt/slides/slide11.xml><?xml version="1.0" encoding="utf-8"?>
 <p:sld xmlns:a="http://schemas.openxmlformats.org/drawingml/2006/main" xmlns:r="http://schemas.openxmlformats.org/officeDocument/2006/relationships" xmlns:p="http://schemas.openxmlformats.org/presentationml/2006/main">
   <p:cSld>
     <p:spTree>
@@ -6184,95 +6348,99 @@
             <a:spLocks noGrp="1"/>
           </p:cNvSpPr>
           <p:nvPr>
-            <p:ph type="title"/>
-          </p:nvPr>
-        </p:nvSpPr>
-        <p:spPr>
-          <a:xfrm>
-            <a:off x="1103312" y="862021"/>
-            <a:ext cx="9404723" cy="749065"/>
+            <p:ph type="ctrTitle"/>
+          </p:nvPr>
+        </p:nvSpPr>
+        <p:spPr>
+          <a:xfrm>
+            <a:off x="2368732" y="1863635"/>
+            <a:ext cx="7716384" cy="1764215"/>
           </a:xfrm>
         </p:spPr>
         <p:txBody>
           <a:bodyPr/>
           <a:lstStyle/>
           <a:p>
-            <a:r>
-              <a:rPr lang="pt-BR" dirty="0" smtClean="0">
+            <a:pPr algn="r"/>
+            <a:r>
+              <a:rPr lang="pt-BR" sz="6000" dirty="0" smtClean="0">
                 <a:latin typeface="Qualy" panose="02000800000000000000" pitchFamily="2" charset="0"/>
               </a:rPr>
-              <a:t>Assistente Virtual</a:t>
-            </a:r>
-            <a:endParaRPr lang="pt-BR" dirty="0">
-              <a:latin typeface="Qualy" panose="02000800000000000000" pitchFamily="2" charset="0"/>
+              <a:t>Projeto assistente virtual – ATHENA</a:t>
+            </a:r>
+            <a:r>
+              <a:rPr lang="pt-BR" sz="2800" dirty="0" smtClean="0"/>
+              <a:t> </a:t>
+            </a:r>
+            <a:endParaRPr lang="pt-BR" sz="6000" dirty="0"/>
+          </a:p>
+        </p:txBody>
+      </p:sp>
+      <p:sp>
+        <p:nvSpPr>
+          <p:cNvPr id="3" name="Subtítulo 2"/>
+          <p:cNvSpPr>
+            <a:spLocks noGrp="1"/>
+          </p:cNvSpPr>
+          <p:nvPr>
+            <p:ph type="subTitle" idx="1"/>
+          </p:nvPr>
+        </p:nvSpPr>
+        <p:spPr>
+          <a:xfrm>
+            <a:off x="1233333" y="5334728"/>
+            <a:ext cx="8711856" cy="861420"/>
+          </a:xfrm>
+        </p:spPr>
+        <p:txBody>
+          <a:bodyPr>
+            <a:noAutofit/>
+          </a:bodyPr>
+          <a:lstStyle/>
+          <a:p>
+            <a:r>
+              <a:rPr lang="pt-BR" sz="1800" b="1" dirty="0" smtClean="0">
+                <a:solidFill>
+                  <a:schemeClr val="tx1"/>
+                </a:solidFill>
+              </a:rPr>
+              <a:t>Dijair roberto de </a:t>
+            </a:r>
+            <a:r>
+              <a:rPr lang="pt-BR" sz="1800" b="1" dirty="0">
+                <a:solidFill>
+                  <a:schemeClr val="tx1"/>
+                </a:solidFill>
+              </a:rPr>
+              <a:t>Camargo Junior – RA. 920103445</a:t>
+            </a:r>
+            <a:endParaRPr lang="pt-BR" sz="1800" b="1" dirty="0" smtClean="0">
+              <a:solidFill>
+                <a:schemeClr val="tx1"/>
+              </a:solidFill>
             </a:endParaRPr>
           </a:p>
-        </p:txBody>
-      </p:sp>
-      <p:sp>
-        <p:nvSpPr>
-          <p:cNvPr id="3" name="Espaço Reservado para Conteúdo 2"/>
-          <p:cNvSpPr>
-            <a:spLocks noGrp="1"/>
-          </p:cNvSpPr>
-          <p:nvPr>
-            <p:ph idx="1"/>
-          </p:nvPr>
-        </p:nvSpPr>
-        <p:spPr/>
-        <p:txBody>
-          <a:bodyPr/>
-          <a:lstStyle/>
-          <a:p>
-            <a:r>
-              <a:rPr lang="pt-BR" dirty="0" smtClean="0"/>
-              <a:t>Conceito</a:t>
-            </a:r>
-          </a:p>
-          <a:p>
-            <a:r>
-              <a:rPr lang="pt-BR" dirty="0" smtClean="0"/>
-              <a:t>Motivo da escolha</a:t>
-            </a:r>
-          </a:p>
-          <a:p>
-            <a:r>
-              <a:rPr lang="pt-BR" dirty="0" smtClean="0"/>
-              <a:t>Designer de voz</a:t>
-            </a:r>
-          </a:p>
-          <a:p>
-            <a:r>
-              <a:rPr lang="pt-BR" dirty="0" smtClean="0"/>
-              <a:t>AWS</a:t>
-            </a:r>
-          </a:p>
-          <a:p>
-            <a:r>
-              <a:rPr lang="pt-BR" dirty="0" smtClean="0"/>
-              <a:t>Configurações iniciais</a:t>
-            </a:r>
-          </a:p>
-          <a:p>
-            <a:r>
-              <a:rPr lang="pt-BR" dirty="0" err="1" smtClean="0"/>
-              <a:t>Features</a:t>
-            </a:r>
-            <a:endParaRPr lang="pt-BR" dirty="0" smtClean="0"/>
-          </a:p>
-          <a:p>
-            <a:r>
-              <a:rPr lang="pt-BR" dirty="0" smtClean="0"/>
-              <a:t>Linguagem </a:t>
-            </a:r>
-            <a:endParaRPr lang="pt-BR" dirty="0"/>
+          <a:p>
+            <a:r>
+              <a:rPr lang="pt-BR" sz="1800" b="1" dirty="0" smtClean="0">
+                <a:solidFill>
+                  <a:schemeClr val="tx1"/>
+                </a:solidFill>
+              </a:rPr>
+              <a:t>Prof.ª Liliane Souza					Curso: Sistema de informação</a:t>
+            </a:r>
+            <a:endParaRPr lang="pt-BR" sz="1800" b="1" dirty="0">
+              <a:solidFill>
+                <a:schemeClr val="tx1"/>
+              </a:solidFill>
+            </a:endParaRPr>
           </a:p>
         </p:txBody>
       </p:sp>
     </p:spTree>
     <p:extLst>
       <p:ext uri="{BB962C8B-B14F-4D97-AF65-F5344CB8AC3E}">
-        <p14:creationId xmlns:p14="http://schemas.microsoft.com/office/powerpoint/2010/main" val="1066254478"/>
+        <p14:creationId xmlns:p14="http://schemas.microsoft.com/office/powerpoint/2010/main" val="1129590168"/>
       </p:ext>
     </p:extLst>
   </p:cSld>
@@ -6321,8 +6489,8 @@
         </p:nvSpPr>
         <p:spPr>
           <a:xfrm>
-            <a:off x="1037997" y="774937"/>
-            <a:ext cx="9404723" cy="766482"/>
+            <a:off x="1103312" y="862021"/>
+            <a:ext cx="9404723" cy="749065"/>
           </a:xfrm>
         </p:spPr>
         <p:txBody>
@@ -6333,7 +6501,7 @@
               <a:rPr lang="pt-BR" dirty="0" smtClean="0">
                 <a:latin typeface="Qualy" panose="02000800000000000000" pitchFamily="2" charset="0"/>
               </a:rPr>
-              <a:t>Conceito</a:t>
+              <a:t>Assistente Virtual</a:t>
             </a:r>
             <a:endParaRPr lang="pt-BR" dirty="0">
               <a:latin typeface="Qualy" panose="02000800000000000000" pitchFamily="2" charset="0"/>
@@ -6351,34 +6519,60 @@
             <p:ph idx="1"/>
           </p:nvPr>
         </p:nvSpPr>
-        <p:spPr>
-          <a:xfrm>
-            <a:off x="1104293" y="1721993"/>
-            <a:ext cx="8946541" cy="4195481"/>
-          </a:xfrm>
-        </p:spPr>
-        <p:txBody>
-          <a:bodyPr>
-            <a:normAutofit/>
-          </a:bodyPr>
-          <a:lstStyle/>
-          <a:p>
-            <a:pPr algn="just"/>
+        <p:spPr/>
+        <p:txBody>
+          <a:bodyPr/>
+          <a:lstStyle/>
+          <a:p>
             <a:r>
               <a:rPr lang="pt-BR" dirty="0" smtClean="0"/>
-              <a:t>As </a:t>
-            </a:r>
-            <a:r>
-              <a:rPr lang="pt-BR" dirty="0"/>
-              <a:t>assistentes virtuais inteligentes são programas criados com base em softwares de inteligência artificial e, muitas vezes, em reconhecimento vocal. Dessa forma, a assistente consegue compreender os comandos dados pelo usuário, sendo tanto por texto como por voz, além de conseguir reconhecer quem está realizando esses comandos. Dentro de uma família, por exemplo, a Siri consegue responder comandos diferentes como rotina diária e preferências de músicas baseados nas informações de cada membro da família. Após o reconhecimento do comando, a AVI checa uma base de conhecimentos que armazena diversas perguntas ou solicitações capazes de serem realizadas e, a partir disso, responde o usuário ou atende ao comando dado.</a:t>
-            </a:r>
+              <a:t>Conceito</a:t>
+            </a:r>
+          </a:p>
+          <a:p>
+            <a:r>
+              <a:rPr lang="pt-BR" dirty="0" smtClean="0"/>
+              <a:t>Motivo da escolha</a:t>
+            </a:r>
+          </a:p>
+          <a:p>
+            <a:r>
+              <a:rPr lang="pt-BR" dirty="0" smtClean="0"/>
+              <a:t>Designer de voz</a:t>
+            </a:r>
+          </a:p>
+          <a:p>
+            <a:r>
+              <a:rPr lang="pt-BR" dirty="0" smtClean="0"/>
+              <a:t>AWS</a:t>
+            </a:r>
+          </a:p>
+          <a:p>
+            <a:r>
+              <a:rPr lang="pt-BR" dirty="0" smtClean="0"/>
+              <a:t>Configurações iniciais</a:t>
+            </a:r>
+          </a:p>
+          <a:p>
+            <a:r>
+              <a:rPr lang="pt-BR" dirty="0" err="1" smtClean="0"/>
+              <a:t>Features</a:t>
+            </a:r>
+            <a:endParaRPr lang="pt-BR" dirty="0" smtClean="0"/>
+          </a:p>
+          <a:p>
+            <a:r>
+              <a:rPr lang="pt-BR" dirty="0" smtClean="0"/>
+              <a:t>Linguagem </a:t>
+            </a:r>
+            <a:endParaRPr lang="pt-BR" dirty="0"/>
           </a:p>
         </p:txBody>
       </p:sp>
     </p:spTree>
     <p:extLst>
       <p:ext uri="{BB962C8B-B14F-4D97-AF65-F5344CB8AC3E}">
-        <p14:creationId xmlns:p14="http://schemas.microsoft.com/office/powerpoint/2010/main" val="2745793768"/>
+        <p14:creationId xmlns:p14="http://schemas.microsoft.com/office/powerpoint/2010/main" val="1066254478"/>
       </p:ext>
     </p:extLst>
   </p:cSld>
@@ -6427,8 +6621,8 @@
         </p:nvSpPr>
         <p:spPr>
           <a:xfrm>
-            <a:off x="874220" y="896855"/>
-            <a:ext cx="9404723" cy="905819"/>
+            <a:off x="1037997" y="774937"/>
+            <a:ext cx="9404723" cy="766482"/>
           </a:xfrm>
         </p:spPr>
         <p:txBody>
@@ -6439,7 +6633,7 @@
               <a:rPr lang="pt-BR" dirty="0" smtClean="0">
                 <a:latin typeface="Qualy" panose="02000800000000000000" pitchFamily="2" charset="0"/>
               </a:rPr>
-              <a:t>Vantagens</a:t>
+              <a:t>Conceito</a:t>
             </a:r>
             <a:endParaRPr lang="pt-BR" dirty="0">
               <a:latin typeface="Qualy" panose="02000800000000000000" pitchFamily="2" charset="0"/>
@@ -6457,23 +6651,34 @@
             <p:ph idx="1"/>
           </p:nvPr>
         </p:nvSpPr>
-        <p:spPr/>
-        <p:txBody>
-          <a:bodyPr/>
-          <a:lstStyle/>
-          <a:p>
+        <p:spPr>
+          <a:xfrm>
+            <a:off x="1104293" y="1721993"/>
+            <a:ext cx="8946541" cy="4195481"/>
+          </a:xfrm>
+        </p:spPr>
+        <p:txBody>
+          <a:bodyPr>
+            <a:normAutofit/>
+          </a:bodyPr>
+          <a:lstStyle/>
+          <a:p>
+            <a:pPr algn="just"/>
+            <a:r>
+              <a:rPr lang="pt-BR" dirty="0" smtClean="0"/>
+              <a:t>As </a:t>
+            </a:r>
             <a:r>
               <a:rPr lang="pt-BR" dirty="0"/>
-              <a:t>Atualmente, as assistentes virtuais inteligentes podem ser facilmente encontradas na rotina do ser humano, tanto de forma direta como indiretamente. As aplicações dessa tecnologia são inúmeras e podem executar tarefas que, de certa forma, otimizam a rotina do indivíduo e permite que este foque em outras tarefas.</a:t>
-            </a:r>
-            <a:endParaRPr lang="pt-BR" dirty="0"/>
+              <a:t>assistentes virtuais inteligentes são programas criados com base em softwares de inteligência artificial e, muitas vezes, em reconhecimento vocal. Dessa forma, a assistente consegue compreender os comandos dados pelo usuário, sendo tanto por texto como por voz, além de conseguir reconhecer quem está realizando esses comandos. Dentro de uma família, por exemplo, a Siri consegue responder comandos diferentes como rotina diária e preferências de músicas baseados nas informações de cada membro da família. Após o reconhecimento do comando, a AVI checa uma base de conhecimentos que armazena diversas perguntas ou solicitações capazes de serem realizadas e, a partir disso, responde o usuário ou atende ao comando dado.</a:t>
+            </a:r>
           </a:p>
         </p:txBody>
       </p:sp>
     </p:spTree>
     <p:extLst>
       <p:ext uri="{BB962C8B-B14F-4D97-AF65-F5344CB8AC3E}">
-        <p14:creationId xmlns:p14="http://schemas.microsoft.com/office/powerpoint/2010/main" val="4077326899"/>
+        <p14:creationId xmlns:p14="http://schemas.microsoft.com/office/powerpoint/2010/main" val="2745793768"/>
       </p:ext>
     </p:extLst>
   </p:cSld>
@@ -6522,8 +6727,8 @@
         </p:nvSpPr>
         <p:spPr>
           <a:xfrm>
-            <a:off x="874220" y="1079736"/>
-            <a:ext cx="9404723" cy="775191"/>
+            <a:off x="874220" y="896855"/>
+            <a:ext cx="9404723" cy="905819"/>
           </a:xfrm>
         </p:spPr>
         <p:txBody>
@@ -6534,7 +6739,7 @@
               <a:rPr lang="pt-BR" dirty="0" smtClean="0">
                 <a:latin typeface="Qualy" panose="02000800000000000000" pitchFamily="2" charset="0"/>
               </a:rPr>
-              <a:t>Motivo da Escolha</a:t>
+              <a:t>Vantagens</a:t>
             </a:r>
             <a:endParaRPr lang="pt-BR" dirty="0">
               <a:latin typeface="Qualy" panose="02000800000000000000" pitchFamily="2" charset="0"/>
@@ -6552,60 +6757,22 @@
             <p:ph idx="1"/>
           </p:nvPr>
         </p:nvSpPr>
-        <p:spPr>
-          <a:xfrm>
-            <a:off x="1434238" y="2288049"/>
-            <a:ext cx="8946541" cy="2710671"/>
-          </a:xfrm>
-        </p:spPr>
+        <p:spPr/>
         <p:txBody>
           <a:bodyPr/>
           <a:lstStyle/>
           <a:p>
             <a:r>
-              <a:rPr lang="pt-BR" dirty="0" err="1" smtClean="0"/>
-              <a:t>Facil</a:t>
-            </a:r>
-            <a:r>
-              <a:rPr lang="pt-BR" dirty="0" smtClean="0"/>
-              <a:t> integração com outros dispositivos</a:t>
-            </a:r>
-          </a:p>
-          <a:p>
-            <a:r>
-              <a:rPr lang="pt-BR" dirty="0" smtClean="0"/>
-              <a:t>Poder subir para um servidor online como AWS</a:t>
-            </a:r>
-          </a:p>
-          <a:p>
-            <a:r>
-              <a:rPr lang="pt-BR" dirty="0" err="1" smtClean="0"/>
-              <a:t>Facil</a:t>
-            </a:r>
-            <a:r>
-              <a:rPr lang="pt-BR" dirty="0" smtClean="0"/>
-              <a:t> aprendizagem de linguagem</a:t>
-            </a:r>
-          </a:p>
-          <a:p>
-            <a:r>
-              <a:rPr lang="pt-BR" dirty="0" smtClean="0"/>
-              <a:t>Interação com o usuário</a:t>
-            </a:r>
-          </a:p>
-          <a:p>
-            <a:r>
-              <a:rPr lang="pt-BR" dirty="0" smtClean="0"/>
-              <a:t>Uso de reconhecimento de fala com o Google</a:t>
-            </a:r>
-            <a:endParaRPr lang="pt-BR" dirty="0"/>
+              <a:rPr lang="pt-BR" dirty="0"/>
+              <a:t>Atualmente, as assistentes virtuais inteligentes podem ser facilmente encontradas na rotina do ser humano, tanto de forma direta como indiretamente. As aplicações dessa tecnologia são inúmeras e podem executar tarefas que, de certa forma, otimizam a rotina do indivíduo e permite que este foque em outras tarefas.</a:t>
+            </a:r>
           </a:p>
         </p:txBody>
       </p:sp>
     </p:spTree>
     <p:extLst>
       <p:ext uri="{BB962C8B-B14F-4D97-AF65-F5344CB8AC3E}">
-        <p14:creationId xmlns:p14="http://schemas.microsoft.com/office/powerpoint/2010/main" val="1022157641"/>
+        <p14:creationId xmlns:p14="http://schemas.microsoft.com/office/powerpoint/2010/main" val="4077326899"/>
       </p:ext>
     </p:extLst>
   </p:cSld>
@@ -6654,8 +6821,8 @@
         </p:nvSpPr>
         <p:spPr>
           <a:xfrm>
-            <a:off x="1151209" y="661336"/>
-            <a:ext cx="8541432" cy="984196"/>
+            <a:off x="874220" y="1079736"/>
+            <a:ext cx="9404723" cy="775191"/>
           </a:xfrm>
         </p:spPr>
         <p:txBody>
@@ -6663,195 +6830,72 @@
           <a:lstStyle/>
           <a:p>
             <a:r>
-              <a:rPr lang="pt-BR" sz="3200" dirty="0" smtClean="0">
+              <a:rPr lang="pt-BR" dirty="0" smtClean="0">
                 <a:latin typeface="Qualy" panose="02000800000000000000" pitchFamily="2" charset="0"/>
               </a:rPr>
-              <a:t>Algumas exemplos de assistente virtual</a:t>
-            </a:r>
-            <a:endParaRPr lang="pt-BR" sz="3200" dirty="0">
+              <a:t>Motivo da Escolha</a:t>
+            </a:r>
+            <a:endParaRPr lang="pt-BR" dirty="0">
               <a:latin typeface="Qualy" panose="02000800000000000000" pitchFamily="2" charset="0"/>
             </a:endParaRPr>
           </a:p>
         </p:txBody>
       </p:sp>
-      <p:pic>
-        <p:nvPicPr>
-          <p:cNvPr id="4" name="Espaço Reservado para Conteúdo 3"/>
-          <p:cNvPicPr>
-            <a:picLocks noGrp="1" noChangeAspect="1"/>
-          </p:cNvPicPr>
+      <p:sp>
+        <p:nvSpPr>
+          <p:cNvPr id="3" name="Espaço Reservado para Conteúdo 2"/>
+          <p:cNvSpPr>
+            <a:spLocks noGrp="1"/>
+          </p:cNvSpPr>
           <p:nvPr>
             <p:ph idx="1"/>
           </p:nvPr>
-        </p:nvPicPr>
-        <p:blipFill>
-          <a:blip r:embed="rId2">
-            <a:extLst>
-              <a:ext uri="{28A0092B-C50C-407E-A947-70E740481C1C}">
-                <a14:useLocalDpi xmlns:a14="http://schemas.microsoft.com/office/drawing/2010/main" val="0"/>
-              </a:ext>
-            </a:extLst>
-          </a:blip>
-          <a:stretch>
-            <a:fillRect/>
-          </a:stretch>
-        </p:blipFill>
-        <p:spPr>
-          <a:xfrm>
-            <a:off x="3784482" y="1603662"/>
-            <a:ext cx="2856873" cy="1759358"/>
-          </a:xfrm>
-        </p:spPr>
-      </p:pic>
-      <p:sp>
-        <p:nvSpPr>
-          <p:cNvPr id="5" name="CaixaDeTexto 4"/>
-          <p:cNvSpPr txBox="1"/>
-          <p:nvPr/>
-        </p:nvSpPr>
-        <p:spPr>
-          <a:xfrm>
-            <a:off x="7122831" y="5341150"/>
-            <a:ext cx="2191626" cy="369332"/>
-          </a:xfrm>
-          <a:prstGeom prst="rect">
-            <a:avLst/>
-          </a:prstGeom>
-          <a:noFill/>
-        </p:spPr>
-        <p:txBody>
-          <a:bodyPr wrap="none" rtlCol="0">
-            <a:spAutoFit/>
-          </a:bodyPr>
-          <a:lstStyle/>
-          <a:p>
+        </p:nvSpPr>
+        <p:spPr>
+          <a:xfrm>
+            <a:off x="1434238" y="2288049"/>
+            <a:ext cx="8946541" cy="2710671"/>
+          </a:xfrm>
+        </p:spPr>
+        <p:txBody>
+          <a:bodyPr/>
+          <a:lstStyle/>
+          <a:p>
+            <a:r>
+              <a:rPr lang="pt-BR" dirty="0" err="1" smtClean="0"/>
+              <a:t>Facil</a:t>
+            </a:r>
             <a:r>
               <a:rPr lang="pt-BR" dirty="0" smtClean="0"/>
-              <a:t>Assistente Google</a:t>
-            </a:r>
-            <a:endParaRPr lang="pt-BR" dirty="0"/>
-          </a:p>
-        </p:txBody>
-      </p:sp>
-      <p:pic>
-        <p:nvPicPr>
-          <p:cNvPr id="6" name="Imagem 5"/>
-          <p:cNvPicPr>
-            <a:picLocks noChangeAspect="1"/>
-          </p:cNvPicPr>
-          <p:nvPr/>
-        </p:nvPicPr>
-        <p:blipFill>
-          <a:blip r:embed="rId3">
-            <a:extLst>
-              <a:ext uri="{28A0092B-C50C-407E-A947-70E740481C1C}">
-                <a14:useLocalDpi xmlns:a14="http://schemas.microsoft.com/office/drawing/2010/main" val="0"/>
-              </a:ext>
-            </a:extLst>
-          </a:blip>
-          <a:stretch>
-            <a:fillRect/>
-          </a:stretch>
-        </p:blipFill>
-        <p:spPr>
-          <a:xfrm>
-            <a:off x="7241039" y="3017309"/>
-            <a:ext cx="1955211" cy="2228161"/>
-          </a:xfrm>
-          <a:prstGeom prst="rect">
-            <a:avLst/>
-          </a:prstGeom>
-        </p:spPr>
-      </p:pic>
-      <p:sp>
-        <p:nvSpPr>
-          <p:cNvPr id="7" name="CaixaDeTexto 6"/>
-          <p:cNvSpPr txBox="1"/>
-          <p:nvPr/>
-        </p:nvSpPr>
-        <p:spPr>
-          <a:xfrm>
-            <a:off x="4226910" y="3363020"/>
-            <a:ext cx="1972015" cy="369332"/>
-          </a:xfrm>
-          <a:prstGeom prst="rect">
-            <a:avLst/>
-          </a:prstGeom>
-          <a:noFill/>
-        </p:spPr>
-        <p:txBody>
-          <a:bodyPr wrap="none" rtlCol="0">
-            <a:spAutoFit/>
-          </a:bodyPr>
-          <a:lstStyle/>
+              <a:t> integração com outros dispositivos</a:t>
+            </a:r>
+          </a:p>
           <a:p>
             <a:r>
               <a:rPr lang="pt-BR" dirty="0" smtClean="0"/>
-              <a:t>Assistente </a:t>
-            </a:r>
+              <a:t>Poder subir para um servidor online como AWS</a:t>
+            </a:r>
+          </a:p>
+          <a:p>
             <a:r>
               <a:rPr lang="pt-BR" dirty="0" err="1" smtClean="0"/>
-              <a:t>Alexa</a:t>
-            </a:r>
-            <a:endParaRPr lang="pt-BR" dirty="0"/>
-          </a:p>
-        </p:txBody>
-      </p:sp>
-      <p:pic>
-        <p:nvPicPr>
-          <p:cNvPr id="9" name="Imagem 8"/>
-          <p:cNvPicPr>
-            <a:picLocks noChangeAspect="1"/>
-          </p:cNvPicPr>
-          <p:nvPr/>
-        </p:nvPicPr>
-        <p:blipFill>
-          <a:blip r:embed="rId4">
-            <a:extLst>
-              <a:ext uri="{28A0092B-C50C-407E-A947-70E740481C1C}">
-                <a14:useLocalDpi xmlns:a14="http://schemas.microsoft.com/office/drawing/2010/main" val="0"/>
-              </a:ext>
-            </a:extLst>
-          </a:blip>
-          <a:stretch>
-            <a:fillRect/>
-          </a:stretch>
-        </p:blipFill>
-        <p:spPr>
-          <a:xfrm>
-            <a:off x="2865586" y="4064562"/>
-            <a:ext cx="2926080" cy="1645920"/>
-          </a:xfrm>
-          <a:prstGeom prst="rect">
-            <a:avLst/>
-          </a:prstGeom>
-        </p:spPr>
-      </p:pic>
-      <p:sp>
-        <p:nvSpPr>
-          <p:cNvPr id="10" name="CaixaDeTexto 9"/>
-          <p:cNvSpPr txBox="1"/>
-          <p:nvPr/>
-        </p:nvSpPr>
-        <p:spPr>
-          <a:xfrm>
-            <a:off x="3148655" y="5710482"/>
-            <a:ext cx="2359941" cy="369332"/>
-          </a:xfrm>
-          <a:prstGeom prst="rect">
-            <a:avLst/>
-          </a:prstGeom>
-          <a:noFill/>
-        </p:spPr>
-        <p:txBody>
-          <a:bodyPr wrap="none" rtlCol="0">
-            <a:spAutoFit/>
-          </a:bodyPr>
-          <a:lstStyle/>
-          <a:p>
+              <a:t>Facil</a:t>
+            </a:r>
             <a:r>
               <a:rPr lang="pt-BR" dirty="0" smtClean="0"/>
-              <a:t>Assistente Apple Siri</a:t>
+              <a:t> aprendizagem de linguagem</a:t>
+            </a:r>
+          </a:p>
+          <a:p>
+            <a:r>
+              <a:rPr lang="pt-BR" dirty="0" smtClean="0"/>
+              <a:t>Interação com o usuário</a:t>
+            </a:r>
+          </a:p>
+          <a:p>
+            <a:r>
+              <a:rPr lang="pt-BR" dirty="0" smtClean="0"/>
+              <a:t>Uso de reconhecimento de fala com o Google</a:t>
             </a:r>
             <a:endParaRPr lang="pt-BR" dirty="0"/>
           </a:p>
@@ -6860,7 +6904,7 @@
     </p:spTree>
     <p:extLst>
       <p:ext uri="{BB962C8B-B14F-4D97-AF65-F5344CB8AC3E}">
-        <p14:creationId xmlns:p14="http://schemas.microsoft.com/office/powerpoint/2010/main" val="1005296521"/>
+        <p14:creationId xmlns:p14="http://schemas.microsoft.com/office/powerpoint/2010/main" val="1022157641"/>
       </p:ext>
     </p:extLst>
   </p:cSld>
@@ -6909,8 +6953,8 @@
         </p:nvSpPr>
         <p:spPr>
           <a:xfrm>
-            <a:off x="1124711" y="983941"/>
-            <a:ext cx="9404723" cy="905819"/>
+            <a:off x="1151209" y="661336"/>
+            <a:ext cx="8541432" cy="984196"/>
           </a:xfrm>
         </p:spPr>
         <p:txBody>
@@ -6918,12 +6962,12 @@
           <a:lstStyle/>
           <a:p>
             <a:r>
-              <a:rPr lang="pt-BR" dirty="0" smtClean="0">
+              <a:rPr lang="pt-BR" sz="3200" dirty="0" smtClean="0">
                 <a:latin typeface="Qualy" panose="02000800000000000000" pitchFamily="2" charset="0"/>
               </a:rPr>
-              <a:t>Diagrama Assistente virtual</a:t>
-            </a:r>
-            <a:endParaRPr lang="pt-BR" dirty="0">
+              <a:t>Algumas exemplos de assistente virtual</a:t>
+            </a:r>
+            <a:endParaRPr lang="pt-BR" sz="3200" dirty="0">
               <a:latin typeface="Qualy" panose="02000800000000000000" pitchFamily="2" charset="0"/>
             </a:endParaRPr>
           </a:p>
@@ -6953,15 +6997,169 @@
         </p:blipFill>
         <p:spPr>
           <a:xfrm>
-            <a:off x="1582284" y="2604188"/>
-            <a:ext cx="8947150" cy="2604982"/>
+            <a:off x="3784482" y="1603662"/>
+            <a:ext cx="2856873" cy="1759358"/>
           </a:xfrm>
         </p:spPr>
       </p:pic>
+      <p:sp>
+        <p:nvSpPr>
+          <p:cNvPr id="5" name="CaixaDeTexto 4"/>
+          <p:cNvSpPr txBox="1"/>
+          <p:nvPr/>
+        </p:nvSpPr>
+        <p:spPr>
+          <a:xfrm>
+            <a:off x="7122831" y="5341150"/>
+            <a:ext cx="2191626" cy="369332"/>
+          </a:xfrm>
+          <a:prstGeom prst="rect">
+            <a:avLst/>
+          </a:prstGeom>
+          <a:noFill/>
+        </p:spPr>
+        <p:txBody>
+          <a:bodyPr wrap="none" rtlCol="0">
+            <a:spAutoFit/>
+          </a:bodyPr>
+          <a:lstStyle/>
+          <a:p>
+            <a:r>
+              <a:rPr lang="pt-BR" dirty="0" smtClean="0"/>
+              <a:t>Assistente Google</a:t>
+            </a:r>
+            <a:endParaRPr lang="pt-BR" dirty="0"/>
+          </a:p>
+        </p:txBody>
+      </p:sp>
+      <p:pic>
+        <p:nvPicPr>
+          <p:cNvPr id="6" name="Imagem 5"/>
+          <p:cNvPicPr>
+            <a:picLocks noChangeAspect="1"/>
+          </p:cNvPicPr>
+          <p:nvPr/>
+        </p:nvPicPr>
+        <p:blipFill>
+          <a:blip r:embed="rId3">
+            <a:extLst>
+              <a:ext uri="{28A0092B-C50C-407E-A947-70E740481C1C}">
+                <a14:useLocalDpi xmlns:a14="http://schemas.microsoft.com/office/drawing/2010/main" val="0"/>
+              </a:ext>
+            </a:extLst>
+          </a:blip>
+          <a:stretch>
+            <a:fillRect/>
+          </a:stretch>
+        </p:blipFill>
+        <p:spPr>
+          <a:xfrm>
+            <a:off x="7241039" y="3017309"/>
+            <a:ext cx="1955211" cy="2228161"/>
+          </a:xfrm>
+          <a:prstGeom prst="rect">
+            <a:avLst/>
+          </a:prstGeom>
+        </p:spPr>
+      </p:pic>
+      <p:sp>
+        <p:nvSpPr>
+          <p:cNvPr id="7" name="CaixaDeTexto 6"/>
+          <p:cNvSpPr txBox="1"/>
+          <p:nvPr/>
+        </p:nvSpPr>
+        <p:spPr>
+          <a:xfrm>
+            <a:off x="4226910" y="3363020"/>
+            <a:ext cx="1972015" cy="369332"/>
+          </a:xfrm>
+          <a:prstGeom prst="rect">
+            <a:avLst/>
+          </a:prstGeom>
+          <a:noFill/>
+        </p:spPr>
+        <p:txBody>
+          <a:bodyPr wrap="none" rtlCol="0">
+            <a:spAutoFit/>
+          </a:bodyPr>
+          <a:lstStyle/>
+          <a:p>
+            <a:r>
+              <a:rPr lang="pt-BR" dirty="0" smtClean="0"/>
+              <a:t>Assistente </a:t>
+            </a:r>
+            <a:r>
+              <a:rPr lang="pt-BR" dirty="0" err="1" smtClean="0"/>
+              <a:t>Alexa</a:t>
+            </a:r>
+            <a:endParaRPr lang="pt-BR" dirty="0"/>
+          </a:p>
+        </p:txBody>
+      </p:sp>
+      <p:pic>
+        <p:nvPicPr>
+          <p:cNvPr id="9" name="Imagem 8"/>
+          <p:cNvPicPr>
+            <a:picLocks noChangeAspect="1"/>
+          </p:cNvPicPr>
+          <p:nvPr/>
+        </p:nvPicPr>
+        <p:blipFill>
+          <a:blip r:embed="rId4">
+            <a:extLst>
+              <a:ext uri="{28A0092B-C50C-407E-A947-70E740481C1C}">
+                <a14:useLocalDpi xmlns:a14="http://schemas.microsoft.com/office/drawing/2010/main" val="0"/>
+              </a:ext>
+            </a:extLst>
+          </a:blip>
+          <a:stretch>
+            <a:fillRect/>
+          </a:stretch>
+        </p:blipFill>
+        <p:spPr>
+          <a:xfrm>
+            <a:off x="2865586" y="4064562"/>
+            <a:ext cx="2926080" cy="1645920"/>
+          </a:xfrm>
+          <a:prstGeom prst="rect">
+            <a:avLst/>
+          </a:prstGeom>
+        </p:spPr>
+      </p:pic>
+      <p:sp>
+        <p:nvSpPr>
+          <p:cNvPr id="10" name="CaixaDeTexto 9"/>
+          <p:cNvSpPr txBox="1"/>
+          <p:nvPr/>
+        </p:nvSpPr>
+        <p:spPr>
+          <a:xfrm>
+            <a:off x="3148655" y="5710482"/>
+            <a:ext cx="2359941" cy="369332"/>
+          </a:xfrm>
+          <a:prstGeom prst="rect">
+            <a:avLst/>
+          </a:prstGeom>
+          <a:noFill/>
+        </p:spPr>
+        <p:txBody>
+          <a:bodyPr wrap="none" rtlCol="0">
+            <a:spAutoFit/>
+          </a:bodyPr>
+          <a:lstStyle/>
+          <a:p>
+            <a:r>
+              <a:rPr lang="pt-BR" dirty="0" smtClean="0"/>
+              <a:t>Assistente Apple Siri</a:t>
+            </a:r>
+            <a:endParaRPr lang="pt-BR" dirty="0"/>
+          </a:p>
+        </p:txBody>
+      </p:sp>
     </p:spTree>
     <p:extLst>
       <p:ext uri="{BB962C8B-B14F-4D97-AF65-F5344CB8AC3E}">
-        <p14:creationId xmlns:p14="http://schemas.microsoft.com/office/powerpoint/2010/main" val="2322668724"/>
+        <p14:creationId xmlns:p14="http://schemas.microsoft.com/office/powerpoint/2010/main" val="1005296521"/>
       </p:ext>
     </p:extLst>
   </p:cSld>
@@ -7010,8 +7208,8 @@
         </p:nvSpPr>
         <p:spPr>
           <a:xfrm>
-            <a:off x="1159917" y="835895"/>
-            <a:ext cx="9404723" cy="801316"/>
+            <a:off x="1124711" y="983941"/>
+            <a:ext cx="9404723" cy="905819"/>
           </a:xfrm>
         </p:spPr>
         <p:txBody>
@@ -7022,7 +7220,7 @@
               <a:rPr lang="pt-BR" dirty="0" smtClean="0">
                 <a:latin typeface="Qualy" panose="02000800000000000000" pitchFamily="2" charset="0"/>
               </a:rPr>
-              <a:t>Nossa ASI</a:t>
+              <a:t>Diagrama Assistente virtual</a:t>
             </a:r>
             <a:endParaRPr lang="pt-BR" dirty="0">
               <a:latin typeface="Qualy" panose="02000800000000000000" pitchFamily="2" charset="0"/>
@@ -7041,60 +7239,28 @@
           </p:nvPr>
         </p:nvPicPr>
         <p:blipFill>
-          <a:blip r:embed="rId2"/>
+          <a:blip r:embed="rId2">
+            <a:extLst>
+              <a:ext uri="{28A0092B-C50C-407E-A947-70E740481C1C}">
+                <a14:useLocalDpi xmlns:a14="http://schemas.microsoft.com/office/drawing/2010/main" val="0"/>
+              </a:ext>
+            </a:extLst>
+          </a:blip>
           <a:stretch>
             <a:fillRect/>
           </a:stretch>
         </p:blipFill>
         <p:spPr>
           <a:xfrm>
-            <a:off x="2754836" y="2078763"/>
-            <a:ext cx="5657643" cy="3139968"/>
-          </a:xfrm>
-          <a:prstGeom prst="rect">
-            <a:avLst/>
-          </a:prstGeom>
+            <a:off x="1582284" y="2604188"/>
+            <a:ext cx="8947150" cy="2604982"/>
+          </a:xfrm>
         </p:spPr>
       </p:pic>
-      <p:sp>
-        <p:nvSpPr>
-          <p:cNvPr id="5" name="CaixaDeTexto 4"/>
-          <p:cNvSpPr txBox="1"/>
-          <p:nvPr/>
-        </p:nvSpPr>
-        <p:spPr>
-          <a:xfrm>
-            <a:off x="3631474" y="5477691"/>
-            <a:ext cx="5103223" cy="646331"/>
-          </a:xfrm>
-          <a:prstGeom prst="rect">
-            <a:avLst/>
-          </a:prstGeom>
-          <a:noFill/>
-        </p:spPr>
-        <p:txBody>
-          <a:bodyPr wrap="square" rtlCol="0">
-            <a:spAutoFit/>
-          </a:bodyPr>
-          <a:lstStyle/>
-          <a:p>
-            <a:r>
-              <a:rPr lang="pt-BR" dirty="0" smtClean="0"/>
-              <a:t>Onde esta Hospedada</a:t>
-            </a:r>
-          </a:p>
-          <a:p>
-            <a:r>
-              <a:rPr lang="pt-BR" dirty="0"/>
-              <a:t>https://github.com/juniorgtx/Liza.git</a:t>
-            </a:r>
-          </a:p>
-        </p:txBody>
-      </p:sp>
     </p:spTree>
     <p:extLst>
       <p:ext uri="{BB962C8B-B14F-4D97-AF65-F5344CB8AC3E}">
-        <p14:creationId xmlns:p14="http://schemas.microsoft.com/office/powerpoint/2010/main" val="350599172"/>
+        <p14:creationId xmlns:p14="http://schemas.microsoft.com/office/powerpoint/2010/main" val="2322668724"/>
       </p:ext>
     </p:extLst>
   </p:cSld>
@@ -7143,8 +7309,8 @@
         </p:nvSpPr>
         <p:spPr>
           <a:xfrm>
-            <a:off x="855117" y="862020"/>
-            <a:ext cx="9404723" cy="783899"/>
+            <a:off x="1159917" y="835895"/>
+            <a:ext cx="9404723" cy="801316"/>
           </a:xfrm>
         </p:spPr>
         <p:txBody>
@@ -7155,7 +7321,7 @@
               <a:rPr lang="pt-BR" dirty="0" smtClean="0">
                 <a:latin typeface="Qualy" panose="02000800000000000000" pitchFamily="2" charset="0"/>
               </a:rPr>
-              <a:t>Amostra do código fonte</a:t>
+              <a:t>Nossa ASI</a:t>
             </a:r>
             <a:endParaRPr lang="pt-BR" dirty="0">
               <a:latin typeface="Qualy" panose="02000800000000000000" pitchFamily="2" charset="0"/>
@@ -7181,18 +7347,53 @@
         </p:blipFill>
         <p:spPr>
           <a:xfrm>
-            <a:off x="4215139" y="1922009"/>
-            <a:ext cx="5005144" cy="4195762"/>
+            <a:off x="2754836" y="2078763"/>
+            <a:ext cx="5657643" cy="3139968"/>
           </a:xfrm>
           <a:prstGeom prst="rect">
             <a:avLst/>
           </a:prstGeom>
         </p:spPr>
       </p:pic>
+      <p:sp>
+        <p:nvSpPr>
+          <p:cNvPr id="5" name="CaixaDeTexto 4"/>
+          <p:cNvSpPr txBox="1"/>
+          <p:nvPr/>
+        </p:nvSpPr>
+        <p:spPr>
+          <a:xfrm>
+            <a:off x="3631474" y="5477691"/>
+            <a:ext cx="5103223" cy="646331"/>
+          </a:xfrm>
+          <a:prstGeom prst="rect">
+            <a:avLst/>
+          </a:prstGeom>
+          <a:noFill/>
+        </p:spPr>
+        <p:txBody>
+          <a:bodyPr wrap="square" rtlCol="0">
+            <a:spAutoFit/>
+          </a:bodyPr>
+          <a:lstStyle/>
+          <a:p>
+            <a:r>
+              <a:rPr lang="pt-BR" dirty="0" smtClean="0"/>
+              <a:t>Onde esta Hospedada</a:t>
+            </a:r>
+          </a:p>
+          <a:p>
+            <a:r>
+              <a:rPr lang="pt-BR" dirty="0"/>
+              <a:t>https://github.com/juniorgtx/Liza.git</a:t>
+            </a:r>
+          </a:p>
+        </p:txBody>
+      </p:sp>
     </p:spTree>
     <p:extLst>
       <p:ext uri="{BB962C8B-B14F-4D97-AF65-F5344CB8AC3E}">
-        <p14:creationId xmlns:p14="http://schemas.microsoft.com/office/powerpoint/2010/main" val="1550523541"/>
+        <p14:creationId xmlns:p14="http://schemas.microsoft.com/office/powerpoint/2010/main" val="350599172"/>
       </p:ext>
     </p:extLst>
   </p:cSld>
